--- a/Business Case for TechnoTrends Exec View.pptx
+++ b/Business Case for TechnoTrends Exec View.pptx
@@ -2,22 +2,22 @@
 <file path=ppt/presentation.xml><?xml version="1.0" encoding="utf-8"?>
 <p:presentation xmlns:a="http://schemas.openxmlformats.org/drawingml/2006/main" xmlns:r="http://schemas.openxmlformats.org/officeDocument/2006/relationships" xmlns:p="http://schemas.openxmlformats.org/presentationml/2006/main" showSpecialPlsOnTitleSld="0" saveSubsetFonts="1">
   <p:sldMasterIdLst>
-    <p:sldMasterId id="2147483648" r:id="rId1"/>
-    <p:sldMasterId id="2147484092" r:id="rId2"/>
-    <p:sldMasterId id="2147484086" r:id="rId3"/>
+    <p:sldMasterId id="2147483648" r:id="rId4"/>
+    <p:sldMasterId id="2147484092" r:id="rId5"/>
+    <p:sldMasterId id="2147484086" r:id="rId6"/>
   </p:sldMasterIdLst>
   <p:notesMasterIdLst>
-    <p:notesMasterId r:id="rId9"/>
+    <p:notesMasterId r:id="rId12"/>
   </p:notesMasterIdLst>
   <p:handoutMasterIdLst>
-    <p:handoutMasterId r:id="rId10"/>
+    <p:handoutMasterId r:id="rId13"/>
   </p:handoutMasterIdLst>
   <p:sldIdLst>
-    <p:sldId id="256" r:id="rId4"/>
-    <p:sldId id="284" r:id="rId5"/>
-    <p:sldId id="275" r:id="rId6"/>
-    <p:sldId id="286" r:id="rId7"/>
-    <p:sldId id="270" r:id="rId8"/>
+    <p:sldId id="256" r:id="rId7"/>
+    <p:sldId id="284" r:id="rId8"/>
+    <p:sldId id="275" r:id="rId9"/>
+    <p:sldId id="286" r:id="rId10"/>
+    <p:sldId id="270" r:id="rId11"/>
   </p:sldIdLst>
   <p:sldSz cx="9144000" cy="6858000" type="screen4x3"/>
   <p:notesSz cx="6858000" cy="9144000"/>
@@ -255,7 +255,7 @@
               <a:pPr>
                 <a:defRPr/>
               </a:pPr>
-              <a:t>4/21/2015</a:t>
+              <a:t>8/21/2015</a:t>
             </a:fld>
             <a:endParaRPr lang="en-US"/>
           </a:p>
@@ -464,7 +464,7 @@
               <a:pPr>
                 <a:defRPr/>
               </a:pPr>
-              <a:t>4/21/2015</a:t>
+              <a:t>8/21/2015</a:t>
             </a:fld>
             <a:endParaRPr lang="en-US"/>
           </a:p>
@@ -33229,7 +33229,7 @@
         </p:nvGraphicFramePr>
         <p:xfrm>
           <a:off x="333156" y="1779775"/>
-          <a:ext cx="3685951" cy="2578990"/>
+          <a:ext cx="3685951" cy="2605786"/>
         </p:xfrm>
         <a:graphic>
           <a:graphicData uri="http://schemas.openxmlformats.org/drawingml/2006/table">
@@ -33334,15 +33334,7 @@
                           <a:ea typeface="Calibri"/>
                           <a:cs typeface="Times New Roman"/>
                         </a:rPr>
-                        <a:t> pulls people on </a:t>
-                      </a:r>
-                      <a:r>
-                        <a:rPr lang="en-US" sz="1300" baseline="0" dirty="0" smtClean="0">
-                          <a:latin typeface="Calibri"/>
-                          <a:ea typeface="Calibri"/>
-                          <a:cs typeface="Times New Roman"/>
-                        </a:rPr>
-                        <a:t>bench (Users can apply for prospective projects)</a:t>
+                        <a:t> pulls people on bench (Users can apply for prospective projects)</a:t>
                       </a:r>
                       <a:endParaRPr lang="en-US" sz="1300" dirty="0">
                         <a:latin typeface="Calibri"/>
@@ -33385,15 +33377,7 @@
                           <a:ea typeface="Calibri"/>
                           <a:cs typeface="Times New Roman"/>
                         </a:rPr>
-                        <a:t> gamified, which means developers on the project are highly </a:t>
-                      </a:r>
-                      <a:r>
-                        <a:rPr lang="en-US" sz="1300" baseline="0" dirty="0" smtClean="0">
-                          <a:latin typeface="Calibri"/>
-                          <a:ea typeface="Calibri"/>
-                          <a:cs typeface="Times New Roman"/>
-                        </a:rPr>
-                        <a:t>motivated (top performers are recognized and this also positively affects their performance ratings at the end of the year).</a:t>
+                        <a:t> gamified, which means developers on the project are highly motivated (top performers are recognized and this also positively affects their performance ratings at the end of the year).</a:t>
                       </a:r>
                       <a:endParaRPr lang="en-US" sz="1300" dirty="0">
                         <a:latin typeface="Calibri"/>
@@ -33419,7 +33403,7 @@
         </p:nvGraphicFramePr>
         <p:xfrm>
           <a:off x="4277843" y="1801041"/>
-          <a:ext cx="4026193" cy="3064702"/>
+          <a:ext cx="4026193" cy="3104896"/>
         </p:xfrm>
         <a:graphic>
           <a:graphicData uri="http://schemas.openxmlformats.org/drawingml/2006/table">
@@ -33536,15 +33520,7 @@
                           <a:ea typeface="Calibri"/>
                           <a:cs typeface="Times New Roman"/>
                         </a:rPr>
-                        <a:t> an expert team to work on the Technical complexity and Usability aspect of the app</a:t>
-                      </a:r>
-                      <a:r>
-                        <a:rPr lang="en-US" sz="1300" baseline="0" dirty="0" smtClean="0">
-                          <a:latin typeface="Calibri"/>
-                          <a:ea typeface="Calibri"/>
-                          <a:cs typeface="Times New Roman"/>
-                        </a:rPr>
-                        <a:t>. Depending on bench availability, we may or may not get the skill for the time required.</a:t>
+                        <a:t> an expert team to work on the Technical complexity and Usability aspect of the app. Depending on bench availability, we may or may not get the skill for the time required.</a:t>
                       </a:r>
                       <a:endParaRPr lang="en-US" sz="1300" dirty="0">
                         <a:latin typeface="Calibri"/>
@@ -33580,15 +33556,7 @@
                           <a:ea typeface="Calibri"/>
                           <a:cs typeface="Times New Roman"/>
                         </a:rPr>
-                        <a:t>Reviewing and managing the skills may be challenging for Our University</a:t>
-                      </a:r>
-                      <a:r>
-                        <a:rPr lang="en-US" sz="1300" dirty="0" smtClean="0">
-                          <a:latin typeface="Calibri"/>
-                          <a:ea typeface="Calibri"/>
-                          <a:cs typeface="Times New Roman"/>
-                        </a:rPr>
-                        <a:t>. Since the team would</a:t>
+                        <a:t>Reviewing and managing the skills may be challenging for Our University. Since the team would</a:t>
                       </a:r>
                       <a:r>
                         <a:rPr lang="en-US" sz="1300" baseline="0" dirty="0" smtClean="0">
@@ -33614,11 +33582,6 @@
                         </a:rPr>
                         <a:t>-integrate after the project, OU would have to maintain/support it.</a:t>
                       </a:r>
-                      <a:endParaRPr lang="en-US" sz="1300" baseline="0" dirty="0" smtClean="0">
-                        <a:latin typeface="Calibri"/>
-                        <a:ea typeface="Calibri"/>
-                        <a:cs typeface="Times New Roman"/>
-                      </a:endParaRPr>
                     </a:p>
                   </a:txBody>
                   <a:tcPr marL="68580" marR="68580" marT="0" marB="0"/>
@@ -35469,12 +35432,9 @@
 </file>
 
 <file path=customXml/item1.xml><?xml version="1.0" encoding="utf-8"?>
-<?mso-contentType ?>
-<FormTemplates xmlns="http://schemas.microsoft.com/sharepoint/v3/contenttype/forms">
-  <Display>DocumentLibraryForm</Display>
-  <Edit>DocumentLibraryForm</Edit>
-  <New>DocumentLibraryForm</New>
-</FormTemplates>
+<p:properties xmlns:p="http://schemas.microsoft.com/office/2006/metadata/properties" xmlns:xsi="http://www.w3.org/2001/XMLSchema-instance" xmlns:pc="http://schemas.microsoft.com/office/infopath/2007/PartnerControls">
+  <documentManagement/>
+</p:properties>
 </file>
 
 <file path=customXml/item2.xml><?xml version="1.0" encoding="utf-8"?>
@@ -35592,19 +35552,43 @@
 </file>
 
 <file path=customXml/item3.xml><?xml version="1.0" encoding="utf-8"?>
-<p:properties xmlns:p="http://schemas.microsoft.com/office/2006/metadata/properties" xmlns:xsi="http://www.w3.org/2001/XMLSchema-instance" xmlns:pc="http://schemas.microsoft.com/office/infopath/2007/PartnerControls">
-  <documentManagement/>
-</p:properties>
+<?mso-contentType ?>
+<FormTemplates xmlns="http://schemas.microsoft.com/sharepoint/v3/contenttype/forms">
+  <Display>DocumentLibraryForm</Display>
+  <Edit>DocumentLibraryForm</Edit>
+  <New>DocumentLibraryForm</New>
+</FormTemplates>
 </file>
 
 <file path=customXml/itemProps1.xml><?xml version="1.0" encoding="utf-8"?>
-<ds:datastoreItem xmlns:ds="http://schemas.openxmlformats.org/officeDocument/2006/customXml" ds:itemID="{B41901FF-F51C-43A5-8837-45991FFB6204}"/>
+<ds:datastoreItem xmlns:ds="http://schemas.openxmlformats.org/officeDocument/2006/customXml" ds:itemID="{1CAC13CF-9A63-43B7-B27C-D57BF155E89C}">
+  <ds:schemaRefs>
+    <ds:schemaRef ds:uri="http://schemas.microsoft.com/office/2006/metadata/properties"/>
+    <ds:schemaRef ds:uri="http://schemas.microsoft.com/office/infopath/2007/PartnerControls"/>
+  </ds:schemaRefs>
+</ds:datastoreItem>
 </file>
 
 <file path=customXml/itemProps2.xml><?xml version="1.0" encoding="utf-8"?>
-<ds:datastoreItem xmlns:ds="http://schemas.openxmlformats.org/officeDocument/2006/customXml" ds:itemID="{E388BE93-4014-4EB0-82B0-87C91726F1EE}"/>
+<ds:datastoreItem xmlns:ds="http://schemas.openxmlformats.org/officeDocument/2006/customXml" ds:itemID="{E388BE93-4014-4EB0-82B0-87C91726F1EE}">
+  <ds:schemaRefs>
+    <ds:schemaRef ds:uri="http://schemas.microsoft.com/office/2006/metadata/contentType"/>
+    <ds:schemaRef ds:uri="http://schemas.microsoft.com/office/2006/metadata/properties/metaAttributes"/>
+    <ds:schemaRef ds:uri="http://www.w3.org/2001/XMLSchema"/>
+    <ds:schemaRef ds:uri="http://schemas.microsoft.com/office/2006/metadata/properties"/>
+    <ds:schemaRef ds:uri="http://schemas.openxmlformats.org/package/2006/metadata/core-properties"/>
+    <ds:schemaRef ds:uri="http://purl.org/dc/elements/1.1/"/>
+    <ds:schemaRef ds:uri="http://purl.org/dc/terms/"/>
+    <ds:schemaRef ds:uri="http://schemas.microsoft.com/internal/obd"/>
+    <ds:schemaRef ds:uri="http://schemas.microsoft.com/office/infopath/2007/PartnerControls"/>
+  </ds:schemaRefs>
+</ds:datastoreItem>
 </file>
 
 <file path=customXml/itemProps3.xml><?xml version="1.0" encoding="utf-8"?>
-<ds:datastoreItem xmlns:ds="http://schemas.openxmlformats.org/officeDocument/2006/customXml" ds:itemID="{1CAC13CF-9A63-43B7-B27C-D57BF155E89C}"/>
+<ds:datastoreItem xmlns:ds="http://schemas.openxmlformats.org/officeDocument/2006/customXml" ds:itemID="{B41901FF-F51C-43A5-8837-45991FFB6204}">
+  <ds:schemaRefs>
+    <ds:schemaRef ds:uri="http://schemas.microsoft.com/sharepoint/v3/contenttype/forms"/>
+  </ds:schemaRefs>
+</ds:datastoreItem>
 </file>